--- a/Output/Luigi Brunetti COVID19 Data Analysis V2.pptx
+++ b/Output/Luigi Brunetti COVID19 Data Analysis V2.pptx
@@ -204,7 +204,7 @@
           <a:p>
             <a:fld id="{D9AFCF07-550B-4752-B078-9051B164DE1B}" type="datetimeFigureOut">
               <a:rPr lang="en-US" smtClean="0"/>
-              <a:t>12/2/2023</a:t>
+              <a:t>12/4/2023</a:t>
             </a:fld>
             <a:endParaRPr lang="en-US"/>
           </a:p>
@@ -618,7 +618,7 @@
           <a:p>
             <a:fld id="{DA7CB209-DC30-4A3D-ACBB-7666F3EEF344}" type="datetime1">
               <a:rPr lang="en-US" smtClean="0"/>
-              <a:t>12/2/2023</a:t>
+              <a:t>12/4/2023</a:t>
             </a:fld>
             <a:endParaRPr lang="en-US"/>
           </a:p>
@@ -816,7 +816,7 @@
           <a:p>
             <a:fld id="{15D9FB04-700E-4ADD-84C1-2AE9D61CB328}" type="datetime1">
               <a:rPr lang="en-US" smtClean="0"/>
-              <a:t>12/2/2023</a:t>
+              <a:t>12/4/2023</a:t>
             </a:fld>
             <a:endParaRPr lang="en-US"/>
           </a:p>
@@ -1024,7 +1024,7 @@
           <a:p>
             <a:fld id="{B56F5187-F3DF-48D8-91A3-32835E5FC5AC}" type="datetime1">
               <a:rPr lang="en-US" smtClean="0"/>
-              <a:t>12/2/2023</a:t>
+              <a:t>12/4/2023</a:t>
             </a:fld>
             <a:endParaRPr lang="en-US"/>
           </a:p>
@@ -1222,7 +1222,7 @@
           <a:p>
             <a:fld id="{3FA5BE93-5525-4787-84CA-9A888163F5A3}" type="datetime1">
               <a:rPr lang="en-US" smtClean="0"/>
-              <a:t>12/2/2023</a:t>
+              <a:t>12/4/2023</a:t>
             </a:fld>
             <a:endParaRPr lang="en-US"/>
           </a:p>
@@ -1497,7 +1497,7 @@
           <a:p>
             <a:fld id="{99166F26-3536-4D6F-ACCE-0F9C91BCC12F}" type="datetime1">
               <a:rPr lang="en-US" smtClean="0"/>
-              <a:t>12/2/2023</a:t>
+              <a:t>12/4/2023</a:t>
             </a:fld>
             <a:endParaRPr lang="en-US"/>
           </a:p>
@@ -1762,7 +1762,7 @@
           <a:p>
             <a:fld id="{9A1460BA-D6CB-4750-844E-E331874BED43}" type="datetime1">
               <a:rPr lang="en-US" smtClean="0"/>
-              <a:t>12/2/2023</a:t>
+              <a:t>12/4/2023</a:t>
             </a:fld>
             <a:endParaRPr lang="en-US"/>
           </a:p>
@@ -2174,7 +2174,7 @@
           <a:p>
             <a:fld id="{E3DA20E5-2BE4-4788-B912-BE964BD851C8}" type="datetime1">
               <a:rPr lang="en-US" smtClean="0"/>
-              <a:t>12/2/2023</a:t>
+              <a:t>12/4/2023</a:t>
             </a:fld>
             <a:endParaRPr lang="en-US"/>
           </a:p>
@@ -2315,7 +2315,7 @@
           <a:p>
             <a:fld id="{CD7FC29D-352E-4C39-B2E0-907116D2AF61}" type="datetime1">
               <a:rPr lang="en-US" smtClean="0"/>
-              <a:t>12/2/2023</a:t>
+              <a:t>12/4/2023</a:t>
             </a:fld>
             <a:endParaRPr lang="en-US"/>
           </a:p>
@@ -2428,7 +2428,7 @@
           <a:p>
             <a:fld id="{59D0F947-D974-46D5-B749-3A1FF5F7BD0E}" type="datetime1">
               <a:rPr lang="en-US" smtClean="0"/>
-              <a:t>12/2/2023</a:t>
+              <a:t>12/4/2023</a:t>
             </a:fld>
             <a:endParaRPr lang="en-US"/>
           </a:p>
@@ -2739,7 +2739,7 @@
           <a:p>
             <a:fld id="{D7EABC54-17F6-432F-9A87-B88F0A0B888A}" type="datetime1">
               <a:rPr lang="en-US" smtClean="0"/>
-              <a:t>12/2/2023</a:t>
+              <a:t>12/4/2023</a:t>
             </a:fld>
             <a:endParaRPr lang="en-US"/>
           </a:p>
@@ -3027,7 +3027,7 @@
           <a:p>
             <a:fld id="{B17CFDFA-ED77-4C51-AC9F-81E88D0CD463}" type="datetime1">
               <a:rPr lang="en-US" smtClean="0"/>
-              <a:t>12/2/2023</a:t>
+              <a:t>12/4/2023</a:t>
             </a:fld>
             <a:endParaRPr lang="en-US"/>
           </a:p>
@@ -3268,7 +3268,7 @@
           <a:p>
             <a:fld id="{85ABF500-A2E5-45B8-A496-4CC4D4A0D4A1}" type="datetime1">
               <a:rPr lang="en-US" smtClean="0"/>
-              <a:t>12/2/2023</a:t>
+              <a:t>12/4/2023</a:t>
             </a:fld>
             <a:endParaRPr lang="en-US"/>
           </a:p>
@@ -3869,7 +3869,15 @@
             </a:r>
             <a:r>
               <a:rPr lang="en-US" dirty="0"/>
-              <a:t>” file contains 109 variables collected on 183 patients.</a:t>
+              <a:t>” file contains 109 variables collected on 183 patients. </a:t>
+            </a:r>
+            <a:r>
+              <a:rPr lang="en-US" dirty="0">
+                <a:solidFill>
+                  <a:srgbClr val="00B050"/>
+                </a:solidFill>
+              </a:rPr>
+              <a:t>New combined data from Lu on 11/16/23: luigi_covid19_clinical_data.csv</a:t>
             </a:r>
           </a:p>
           <a:p>
@@ -3890,7 +3898,15 @@
                   <a:srgbClr val="FF0000"/>
                 </a:solidFill>
               </a:rPr>
-              <a:t>For COVID patients primary DX was COVID</a:t>
+              <a:t>For COVID patients primary DX was COVID </a:t>
+            </a:r>
+            <a:r>
+              <a:rPr lang="en-US" dirty="0">
+                <a:solidFill>
+                  <a:srgbClr val="00B050"/>
+                </a:solidFill>
+              </a:rPr>
+              <a:t>(OK)</a:t>
             </a:r>
           </a:p>
           <a:p>
@@ -3901,7 +3917,15 @@
                   <a:srgbClr val="FF0000"/>
                 </a:solidFill>
               </a:rPr>
-              <a:t>We are working on getting DX1 ICD-10 Code for controls.</a:t>
+              <a:t>We are working on getting DX1 ICD-10 Code for controls. </a:t>
+            </a:r>
+            <a:r>
+              <a:rPr lang="en-US" dirty="0">
+                <a:solidFill>
+                  <a:srgbClr val="00B050"/>
+                </a:solidFill>
+              </a:rPr>
+              <a:t>(OK)</a:t>
             </a:r>
           </a:p>
           <a:p>
@@ -3938,7 +3962,31 @@
                   <a:srgbClr val="FF0000"/>
                 </a:solidFill>
               </a:rPr>
-              <a:t>See key on next slide</a:t>
+              <a:t>See key on next slide </a:t>
+            </a:r>
+            <a:r>
+              <a:rPr lang="en-US" dirty="0">
+                <a:solidFill>
+                  <a:srgbClr val="00B050"/>
+                </a:solidFill>
+              </a:rPr>
+              <a:t>(not everything is there. Vaccinated (0, 1, 9), </a:t>
+            </a:r>
+            <a:r>
+              <a:rPr lang="en-US" dirty="0" err="1">
+                <a:solidFill>
+                  <a:srgbClr val="00B050"/>
+                </a:solidFill>
+              </a:rPr>
+              <a:t>etc</a:t>
+            </a:r>
+            <a:r>
+              <a:rPr lang="en-US" dirty="0">
+                <a:solidFill>
+                  <a:srgbClr val="00B050"/>
+                </a:solidFill>
+              </a:rPr>
+              <a:t>, levels are different in data compared to the keys. See the code) The other vars were relabeled on 11/16/23!</a:t>
             </a:r>
           </a:p>
           <a:p>
@@ -3959,7 +4007,15 @@
                   <a:srgbClr val="FF0000"/>
                 </a:solidFill>
               </a:rPr>
-              <a:t>Agree with this, remove</a:t>
+              <a:t>Agree with this, remove </a:t>
+            </a:r>
+            <a:r>
+              <a:rPr lang="en-US" dirty="0">
+                <a:solidFill>
+                  <a:srgbClr val="00B050"/>
+                </a:solidFill>
+              </a:rPr>
+              <a:t>(DONE)</a:t>
             </a:r>
           </a:p>
           <a:p>
@@ -3985,9 +4041,16 @@
                   <a:srgbClr val="FF0000"/>
                 </a:solidFill>
               </a:rPr>
-              <a:t>Not sure what the question is here.  Are the data missing or you found them?</a:t>
-            </a:r>
-            <a:endParaRPr lang="en-US" dirty="0"/>
+              <a:t>Not sure what the question is here.  Are the data missing or you found them? </a:t>
+            </a:r>
+            <a:r>
+              <a:rPr lang="en-US" dirty="0">
+                <a:solidFill>
+                  <a:srgbClr val="0070C0"/>
+                </a:solidFill>
+              </a:rPr>
+              <a:t>(this is note for myself, we have the data split between 2 files)</a:t>
+            </a:r>
           </a:p>
           <a:p>
             <a:r>
@@ -4009,13 +4072,21 @@
                   <a:srgbClr val="FF0000"/>
                 </a:solidFill>
               </a:rPr>
-              <a:t>Will see if we can manually pull</a:t>
+              <a:t>Will see if we can manually pull . </a:t>
+            </a:r>
+            <a:r>
+              <a:rPr lang="en-US" dirty="0">
+                <a:solidFill>
+                  <a:srgbClr val="00B050"/>
+                </a:solidFill>
+              </a:rPr>
+              <a:t>New data aligns Real IDs so this issue is resolved</a:t>
             </a:r>
           </a:p>
           <a:p>
             <a:r>
               <a:rPr lang="en-US" dirty="0"/>
-              <a:t>Patients 341512, 3066280, 4875507 and 8134517 have 2 ELISA samples each. I used just one of two but if we don’t remove them we need to average them.</a:t>
+              <a:t>Patients 341512, 3066280, 4875507 and 8134517 have 2 ELISA samples each. I used just one of two but if we don’t remove them, we need to average them.</a:t>
             </a:r>
           </a:p>
           <a:p>
@@ -5759,7 +5830,7 @@
                     <a:p>
                       <a:pPr algn="l" fontAlgn="b"/>
                       <a:r>
-                        <a:rPr lang="en-US" sz="800" b="0" i="0" u="none" strike="noStrike">
+                        <a:rPr lang="en-US" sz="800" b="0" i="0" u="none" strike="noStrike" dirty="0">
                           <a:solidFill>
                             <a:srgbClr val="000000"/>
                           </a:solidFill>
@@ -7223,7 +7294,7 @@
                     <a:lstStyle/>
                     <a:p>
                       <a:pPr algn="l" fontAlgn="b"/>
-                      <a:endParaRPr lang="en-US" sz="800" b="0" i="0" u="none" strike="noStrike">
+                      <a:endParaRPr lang="en-US" sz="800" b="0" i="0" u="none" strike="noStrike" dirty="0">
                         <a:solidFill>
                           <a:srgbClr val="000000"/>
                         </a:solidFill>
@@ -13885,9 +13956,16 @@
                   <a:srgbClr val="FF0000"/>
                 </a:solidFill>
               </a:rPr>
-              <a:t>Correct, they may have later come up positive</a:t>
-            </a:r>
-            <a:endParaRPr lang="en-US" dirty="0"/>
+              <a:t>Correct, they may have later come up positive </a:t>
+            </a:r>
+            <a:r>
+              <a:rPr lang="en-US" dirty="0">
+                <a:solidFill>
+                  <a:srgbClr val="00B050"/>
+                </a:solidFill>
+              </a:rPr>
+              <a:t>(OK)</a:t>
+            </a:r>
           </a:p>
           <a:p>
             <a:r>
@@ -13976,11 +14054,19 @@
                   <a:srgbClr val="FF0000"/>
                 </a:solidFill>
               </a:rPr>
-              <a:t>Correct</a:t>
+              <a:t>Correct </a:t>
+            </a:r>
+            <a:r>
+              <a:rPr lang="en-US" dirty="0">
+                <a:solidFill>
+                  <a:srgbClr val="00B050"/>
+                </a:solidFill>
+              </a:rPr>
+              <a:t>(OK)</a:t>
             </a:r>
             <a:endParaRPr lang="pt-BR" dirty="0">
               <a:solidFill>
-                <a:srgbClr val="FF0000"/>
+                <a:srgbClr val="00B050"/>
               </a:solidFill>
             </a:endParaRPr>
           </a:p>
@@ -14018,7 +14104,15 @@
                   <a:srgbClr val="FF0000"/>
                 </a:solidFill>
               </a:rPr>
-              <a:t>Yes, same patient</a:t>
+              <a:t>Yes, same patient </a:t>
+            </a:r>
+            <a:r>
+              <a:rPr lang="pt-BR" dirty="0">
+                <a:solidFill>
+                  <a:srgbClr val="00B050"/>
+                </a:solidFill>
+              </a:rPr>
+              <a:t>(OK)</a:t>
             </a:r>
           </a:p>
           <a:p>
@@ -14029,9 +14123,16 @@
                   <a:srgbClr val="FF0000"/>
                 </a:solidFill>
               </a:rPr>
-              <a:t>Which IDs are mismatched?</a:t>
-            </a:r>
-            <a:endParaRPr lang="pt-BR" dirty="0"/>
+              <a:t>Which IDs are mismatched? </a:t>
+            </a:r>
+            <a:r>
+              <a:rPr lang="pt-BR" dirty="0">
+                <a:solidFill>
+                  <a:srgbClr val="00B050"/>
+                </a:solidFill>
+              </a:rPr>
+              <a:t>(I meant the 10 IDs above)</a:t>
+            </a:r>
           </a:p>
           <a:p>
             <a:r>
@@ -16496,9 +16597,6 @@
               <a:rPr lang="en-US" dirty="0"/>
               <a:t>The odds ratio of a COVID patient dying after being admitted to ICU was 21.5 compared to a COVID patient not admitted to ICU.</a:t>
             </a:r>
-          </a:p>
-          <a:p>
-            <a:endParaRPr lang="en-US" dirty="0"/>
           </a:p>
         </p:txBody>
       </p:sp>
